--- a/Presentations/App-Owns-Data Embedding Walkthrough.pptx
+++ b/Presentations/App-Owns-Data Embedding Walkthrough.pptx
@@ -479,7 +479,7 @@
           <a:p>
             <a:fld id="{DCE60099-03E7-4FA1-8A7F-E6E6CFB0F855}" type="datetime8">
               <a:rPr lang="en-US" smtClean="0"/>
-              <a:t>9/21/2022 3:33 PM</a:t>
+              <a:t>9/21/2022 3:55 PM</a:t>
             </a:fld>
             <a:endParaRPr lang="en-US"/>
           </a:p>
@@ -2542,13 +2542,13 @@
   <p:clrMapOvr>
     <a:masterClrMapping/>
   </p:clrMapOvr>
-  <mc:AlternateContent xmlns:mc="http://schemas.openxmlformats.org/markup-compatibility/2006">
-    <mc:Choice xmlns:p14="http://schemas.microsoft.com/office/powerpoint/2010/main" Requires="p14">
+  <mc:AlternateContent xmlns:mc="http://schemas.openxmlformats.org/markup-compatibility/2006" xmlns:p14="http://schemas.microsoft.com/office/powerpoint/2010/main">
+    <mc:Choice Requires="p14">
       <p:transition spd="med" p14:dur="700">
         <p:fade/>
       </p:transition>
     </mc:Choice>
-    <mc:Fallback>
+    <mc:Fallback xmlns="">
       <p:transition spd="med">
         <p:fade/>
       </p:transition>
@@ -15156,18 +15156,18 @@
 </file>
 
 <file path=customXml/item1.xml><?xml version="1.0" encoding="utf-8"?>
-<p:properties xmlns:p="http://schemas.microsoft.com/office/2006/metadata/properties" xmlns:xsi="http://www.w3.org/2001/XMLSchema-instance" xmlns:pc="http://schemas.microsoft.com/office/infopath/2007/PartnerControls">
-  <documentManagement/>
-</p:properties>
-</file>
-
-<file path=customXml/item2.xml><?xml version="1.0" encoding="utf-8"?>
 <?mso-contentType ?>
 <FormTemplates xmlns="http://schemas.microsoft.com/sharepoint/v3/contenttype/forms">
   <Display>DocumentLibraryForm</Display>
   <Edit>DocumentLibraryForm</Edit>
   <New>DocumentLibraryForm</New>
 </FormTemplates>
+</file>
+
+<file path=customXml/item2.xml><?xml version="1.0" encoding="utf-8"?>
+<p:properties xmlns:p="http://schemas.microsoft.com/office/2006/metadata/properties" xmlns:xsi="http://www.w3.org/2001/XMLSchema-instance" xmlns:pc="http://schemas.microsoft.com/office/infopath/2007/PartnerControls">
+  <documentManagement/>
+</p:properties>
 </file>
 
 <file path=customXml/item3.xml><?xml version="1.0" encoding="utf-8"?>
@@ -15323,6 +15323,14 @@
 </file>
 
 <file path=customXml/itemProps1.xml><?xml version="1.0" encoding="utf-8"?>
+<ds:datastoreItem xmlns:ds="http://schemas.openxmlformats.org/officeDocument/2006/customXml" ds:itemID="{758FDAC0-319D-4A54-8D8E-1D42CB1F8004}">
+  <ds:schemaRefs>
+    <ds:schemaRef ds:uri="http://schemas.microsoft.com/sharepoint/v3/contenttype/forms"/>
+  </ds:schemaRefs>
+</ds:datastoreItem>
+</file>
+
+<file path=customXml/itemProps2.xml><?xml version="1.0" encoding="utf-8"?>
 <ds:datastoreItem xmlns:ds="http://schemas.openxmlformats.org/officeDocument/2006/customXml" ds:itemID="{F990F116-B58F-4255-B05B-DA3808E0E5C6}">
   <ds:schemaRefs>
     <ds:schemaRef ds:uri="http://schemas.microsoft.com/office/infopath/2007/PartnerControls"/>
@@ -15334,14 +15342,6 @@
     <ds:schemaRef ds:uri="ef38329b-e139-4eb4-9d7a-1b84c79a6610"/>
     <ds:schemaRef ds:uri="http://schemas.openxmlformats.org/package/2006/metadata/core-properties"/>
     <ds:schemaRef ds:uri="http://schemas.microsoft.com/office/2006/metadata/properties"/>
-  </ds:schemaRefs>
-</ds:datastoreItem>
-</file>
-
-<file path=customXml/itemProps2.xml><?xml version="1.0" encoding="utf-8"?>
-<ds:datastoreItem xmlns:ds="http://schemas.openxmlformats.org/officeDocument/2006/customXml" ds:itemID="{758FDAC0-319D-4A54-8D8E-1D42CB1F8004}">
-  <ds:schemaRefs>
-    <ds:schemaRef ds:uri="http://schemas.microsoft.com/sharepoint/v3/contenttype/forms"/>
   </ds:schemaRefs>
 </ds:datastoreItem>
 </file>
